--- a/Presentation.pptx
+++ b/Presentation.pptx
@@ -8286,83 +8286,80 @@
             </a:lvl9pPr>
           </a:lstStyle>
           <a:p>
-            <a:pPr marL="457200" indent="-457200" algn="l">
+            <a:pPr marL="342900" indent="-342900" algn="l">
               <a:buFont typeface="Arial" panose="020B0604020202020204" pitchFamily="34" charset="0"/>
               <a:buChar char="•"/>
             </a:pPr>
             <a:r>
-              <a:rPr lang="sv-SE" sz="2400" dirty="0" err="1">
+              <a:rPr lang="sv-SE" sz="2000" b="0" i="0" dirty="0">
                 <a:solidFill>
-                  <a:schemeClr val="tx1"/>
+                  <a:srgbClr val="24292F"/>
                 </a:solidFill>
+                <a:effectLst/>
+                <a:latin typeface="-apple-system"/>
               </a:rPr>
-              <a:t>Deploya</a:t>
-            </a:r>
-            <a:r>
-              <a:rPr lang="sv-SE" sz="2400" dirty="0">
+              <a:t>Hämta aktuell data från WDU vid uppstart alternativt alltid titta på aktuell information istället för endast uppdateringar.</a:t>
+            </a:r>
+            <a:br>
+              <a:rPr lang="sv-SE" sz="2000" b="0" i="0" dirty="0">
                 <a:solidFill>
-                  <a:schemeClr val="tx1"/>
+                  <a:srgbClr val="24292F"/>
                 </a:solidFill>
+                <a:effectLst/>
+                <a:latin typeface="-apple-system"/>
               </a:rPr>
-              <a:t> och testa lösning till en </a:t>
-            </a:r>
-            <a:r>
-              <a:rPr lang="sv-SE" sz="2400" dirty="0" err="1">
-                <a:solidFill>
-                  <a:schemeClr val="tx1"/>
-                </a:solidFill>
-              </a:rPr>
-              <a:t>RasberryPi</a:t>
-            </a:r>
-            <a:r>
-              <a:rPr lang="sv-SE" sz="2400" dirty="0">
-                <a:solidFill>
-                  <a:schemeClr val="tx1"/>
-                </a:solidFill>
-              </a:rPr>
-              <a:t> på en faktisk båt.</a:t>
-            </a:r>
-          </a:p>
-          <a:p>
-            <a:pPr marL="457200" indent="-457200" algn="l">
+            </a:br>
+            <a:endParaRPr lang="sv-SE" sz="2000" b="0" i="0" dirty="0">
+              <a:solidFill>
+                <a:srgbClr val="24292F"/>
+              </a:solidFill>
+              <a:effectLst/>
+              <a:latin typeface="-apple-system"/>
+            </a:endParaRPr>
+          </a:p>
+          <a:p>
+            <a:pPr marL="342900" indent="-342900" algn="l">
               <a:buFont typeface="Arial" panose="020B0604020202020204" pitchFamily="34" charset="0"/>
               <a:buChar char="•"/>
             </a:pPr>
+            <a:r>
+              <a:rPr lang="sv-SE" sz="2000" b="0" i="0" dirty="0">
+                <a:solidFill>
+                  <a:srgbClr val="24292F"/>
+                </a:solidFill>
+                <a:effectLst/>
+                <a:latin typeface="-apple-system"/>
+              </a:rPr>
+              <a:t>Parsa JSON exportfil med kanalinformation och skapa ett verktyg för att </a:t>
+            </a:r>
+            <a:r>
+              <a:rPr lang="sv-SE" sz="2000" b="0" i="0" dirty="0" err="1">
+                <a:solidFill>
+                  <a:srgbClr val="24292F"/>
+                </a:solidFill>
+                <a:effectLst/>
+                <a:latin typeface="-apple-system"/>
+              </a:rPr>
+              <a:t>mappa</a:t>
+            </a:r>
+            <a:r>
+              <a:rPr lang="sv-SE" sz="2000" b="0" i="0" dirty="0">
+                <a:solidFill>
+                  <a:srgbClr val="24292F"/>
+                </a:solidFill>
+                <a:effectLst/>
+                <a:latin typeface="-apple-system"/>
+              </a:rPr>
+              <a:t> det enklare mot en klient.</a:t>
+            </a:r>
+          </a:p>
+          <a:p>
+            <a:pPr algn="l"/>
             <a:endParaRPr lang="sv-SE" sz="2400" dirty="0">
               <a:solidFill>
                 <a:schemeClr val="tx1"/>
               </a:solidFill>
             </a:endParaRPr>
-          </a:p>
-          <a:p>
-            <a:pPr marL="457200" indent="-457200" algn="l">
-              <a:buFont typeface="Arial" panose="020B0604020202020204" pitchFamily="34" charset="0"/>
-              <a:buChar char="•"/>
-            </a:pPr>
-            <a:r>
-              <a:rPr lang="sv-SE" sz="2400" dirty="0">
-                <a:solidFill>
-                  <a:schemeClr val="tx1"/>
-                </a:solidFill>
-              </a:rPr>
-              <a:t>Aktivera flera "kanaler" och anpassa monitorverktyget att </a:t>
-            </a:r>
-            <a:r>
-              <a:rPr lang="sv-SE" sz="2400" dirty="0" err="1">
-                <a:solidFill>
-                  <a:schemeClr val="tx1"/>
-                </a:solidFill>
-              </a:rPr>
-              <a:t>visuallisera</a:t>
-            </a:r>
-            <a:r>
-              <a:rPr lang="sv-SE" sz="2400" dirty="0">
-                <a:solidFill>
-                  <a:schemeClr val="tx1"/>
-                </a:solidFill>
-              </a:rPr>
-              <a:t> mer data.</a:t>
-            </a:r>
           </a:p>
         </p:txBody>
       </p:sp>
@@ -9265,6 +9262,15 @@
 </file>
 
 <file path=customXml/item1.xml><?xml version="1.0" encoding="utf-8"?>
+<?mso-contentType ?>
+<FormTemplates xmlns="http://schemas.microsoft.com/sharepoint/v3/contenttype/forms">
+  <Display>DocumentLibraryForm</Display>
+  <Edit>DocumentLibraryForm</Edit>
+  <New>DocumentLibraryForm</New>
+</FormTemplates>
+</file>
+
+<file path=customXml/item2.xml><?xml version="1.0" encoding="utf-8"?>
 <ct:contentTypeSchema xmlns:ct="http://schemas.microsoft.com/office/2006/metadata/contentType" xmlns:ma="http://schemas.microsoft.com/office/2006/metadata/properties/metaAttributes" ct:_="" ma:_="" ma:contentTypeName="Document" ma:contentTypeID="0x01010079F111ED35F8CC479449609E8A0923A6" ma:contentTypeVersion="12" ma:contentTypeDescription="Create a new document." ma:contentTypeScope="" ma:versionID="426e97fa315356fffbdcd9876fe988c2">
   <xsd:schema xmlns:xsd="http://www.w3.org/2001/XMLSchema" xmlns:xs="http://www.w3.org/2001/XMLSchema" xmlns:p="http://schemas.microsoft.com/office/2006/metadata/properties" xmlns:ns2="71af3243-3dd4-4a8d-8c0d-dd76da1f02a5" xmlns:ns3="16c05727-aa75-4e4a-9b5f-8a80a1165891" targetNamespace="http://schemas.microsoft.com/office/2006/metadata/properties" ma:root="true" ma:fieldsID="14b8f0def80e6d70ce3def20c90759ae" ns2:_="" ns3:_="">
     <xsd:import namespace="71af3243-3dd4-4a8d-8c0d-dd76da1f02a5"/>
@@ -9485,15 +9491,6 @@
 </ct:contentTypeSchema>
 </file>
 
-<file path=customXml/item2.xml><?xml version="1.0" encoding="utf-8"?>
-<?mso-contentType ?>
-<FormTemplates xmlns="http://schemas.microsoft.com/sharepoint/v3/contenttype/forms">
-  <Display>DocumentLibraryForm</Display>
-  <Edit>DocumentLibraryForm</Edit>
-  <New>DocumentLibraryForm</New>
-</FormTemplates>
-</file>
-
 <file path=customXml/item3.xml><?xml version="1.0" encoding="utf-8"?>
 <p:properties xmlns:p="http://schemas.microsoft.com/office/2006/metadata/properties" xmlns:xsi="http://www.w3.org/2001/XMLSchema-instance" xmlns:pc="http://schemas.microsoft.com/office/infopath/2007/PartnerControls">
   <documentManagement>
@@ -9504,6 +9501,14 @@
 </file>
 
 <file path=customXml/itemProps1.xml><?xml version="1.0" encoding="utf-8"?>
+<ds:datastoreItem xmlns:ds="http://schemas.openxmlformats.org/officeDocument/2006/customXml" ds:itemID="{1B7E2D32-4FDD-4266-880C-17595B801432}">
+  <ds:schemaRefs>
+    <ds:schemaRef ds:uri="http://schemas.microsoft.com/sharepoint/v3/contenttype/forms"/>
+  </ds:schemaRefs>
+</ds:datastoreItem>
+</file>
+
+<file path=customXml/itemProps2.xml><?xml version="1.0" encoding="utf-8"?>
 <ds:datastoreItem xmlns:ds="http://schemas.openxmlformats.org/officeDocument/2006/customXml" ds:itemID="{55BB9993-D5F9-46FA-B2E5-80E3632E9820}">
   <ds:schemaRefs>
     <ds:schemaRef ds:uri="http://schemas.microsoft.com/office/2006/metadata/contentType"/>
@@ -9522,14 +9527,6 @@
 </ds:datastoreItem>
 </file>
 
-<file path=customXml/itemProps2.xml><?xml version="1.0" encoding="utf-8"?>
-<ds:datastoreItem xmlns:ds="http://schemas.openxmlformats.org/officeDocument/2006/customXml" ds:itemID="{1B7E2D32-4FDD-4266-880C-17595B801432}">
-  <ds:schemaRefs>
-    <ds:schemaRef ds:uri="http://schemas.microsoft.com/sharepoint/v3/contenttype/forms"/>
-  </ds:schemaRefs>
-</ds:datastoreItem>
-</file>
-
 <file path=customXml/itemProps3.xml><?xml version="1.0" encoding="utf-8"?>
 <ds:datastoreItem xmlns:ds="http://schemas.openxmlformats.org/officeDocument/2006/customXml" ds:itemID="{E3D9F223-918A-45AF-9B53-56AB9E5E2182}">
   <ds:schemaRefs>
